--- a/c++ 标准库编程.pptx
+++ b/c++ 标准库编程.pptx
@@ -28549,14 +28549,6 @@
                         <a:buNone/>
                       </a:pPr>
                       <a:r>
-                        <a:rPr lang="en-US" altLang="zh-CN" dirty="0">
-                          <a:solidFill>
-                            <a:srgbClr val="FF0000"/>
-                          </a:solidFill>
-                        </a:rPr>
-                        <a:t>✱</a:t>
-                      </a:r>
-                      <a:r>
                         <a:rPr lang="en-US" altLang="zh-CN" dirty="0"/>
                         <a:t> C++  </a:t>
                       </a:r>
@@ -28627,15 +28619,6 @@
                         <a:buFont typeface="Arial" panose="020B0604020202020204" pitchFamily="34" charset="0"/>
                         <a:buNone/>
                       </a:pPr>
-                      <a:r>
-                        <a:rPr lang="en-US" altLang="zh-CN" sz="1800" dirty="0">
-                          <a:solidFill>
-                            <a:srgbClr val="FF0000"/>
-                          </a:solidFill>
-                          <a:sym typeface="+mn-ea"/>
-                        </a:rPr>
-                        <a:t>✱</a:t>
-                      </a:r>
                       <a:r>
                         <a:rPr lang="en-US" altLang="zh-CN" dirty="0"/>
                         <a:t>Qt  </a:t>
@@ -28771,15 +28754,6 @@
                         <a:buFont typeface="Arial" panose="020B0604020202020204" pitchFamily="34" charset="0"/>
                         <a:buNone/>
                       </a:pPr>
-                      <a:r>
-                        <a:rPr lang="en-US" altLang="zh-CN" sz="1800" dirty="0">
-                          <a:solidFill>
-                            <a:srgbClr val="FF0000"/>
-                          </a:solidFill>
-                          <a:sym typeface="+mn-ea"/>
-                        </a:rPr>
-                        <a:t>✱</a:t>
-                      </a:r>
                       <a:r>
                         <a:rPr lang="en-US" altLang="zh-CN" dirty="0"/>
                         <a:t>C++</a:t>
@@ -29084,9 +29058,33 @@
           </a:p>
         </p:txBody>
       </p:sp>
+      <p:pic>
+        <p:nvPicPr>
+          <p:cNvPr id="6" name="图片 5" descr="logo"/>
+          <p:cNvPicPr>
+            <a:picLocks noChangeAspect="1"/>
+          </p:cNvPicPr>
+          <p:nvPr/>
+        </p:nvPicPr>
+        <p:blipFill>
+          <a:blip r:embed="rId2"/>
+          <a:stretch>
+            <a:fillRect/>
+          </a:stretch>
+        </p:blipFill>
+        <p:spPr>
+          <a:xfrm>
+            <a:off x="8765540" y="111125"/>
+            <a:ext cx="2390775" cy="676275"/>
+          </a:xfrm>
+          <a:prstGeom prst="rect">
+            <a:avLst/>
+          </a:prstGeom>
+        </p:spPr>
+      </p:pic>
     </p:spTree>
     <p:custDataLst>
-      <p:tags r:id="rId2"/>
+      <p:tags r:id="rId3"/>
     </p:custDataLst>
   </p:cSld>
   <p:clrMapOvr>
@@ -36191,13 +36189,18 @@
         </p:nvCxnSpPr>
         <p:spPr>
           <a:xfrm flipV="1">
-            <a:off x="3934016" y="4352253"/>
-            <a:ext cx="0" cy="1751120"/>
+            <a:off x="4250055" y="4850765"/>
+            <a:ext cx="0" cy="792480"/>
           </a:xfrm>
           <a:prstGeom prst="straightConnector1">
             <a:avLst/>
           </a:prstGeom>
           <a:ln>
+            <a:solidFill>
+              <a:schemeClr val="accent1">
+                <a:lumMod val="75000"/>
+              </a:schemeClr>
+            </a:solidFill>
             <a:prstDash val="sysDot"/>
             <a:tailEnd type="triangle"/>
           </a:ln>
@@ -36248,8 +36251,8 @@
         </p:nvCxnSpPr>
         <p:spPr>
           <a:xfrm>
-            <a:off x="2502535" y="4173855"/>
-            <a:ext cx="8066405" cy="0"/>
+            <a:off x="4366205" y="4173855"/>
+            <a:ext cx="4149090" cy="0"/>
           </a:xfrm>
           <a:prstGeom prst="line">
             <a:avLst/>
